--- a/2016-10-10/数据库.pptx
+++ b/2016-10-10/数据库.pptx
@@ -294,7 +294,7 @@
             <a:fld id="{530820CF-B880-4189-942D-D702A7CBA730}" type="datetimeFigureOut">
               <a:rPr lang="zh-CN" altLang="en-US" smtClean="0"/>
               <a:pPr/>
-              <a:t>2016/10/10</a:t>
+              <a:t>2016/10/14</a:t>
             </a:fld>
             <a:endParaRPr lang="zh-CN" altLang="en-US"/>
           </a:p>
@@ -461,7 +461,7 @@
             <a:fld id="{530820CF-B880-4189-942D-D702A7CBA730}" type="datetimeFigureOut">
               <a:rPr lang="zh-CN" altLang="en-US" smtClean="0"/>
               <a:pPr/>
-              <a:t>2016/10/10</a:t>
+              <a:t>2016/10/14</a:t>
             </a:fld>
             <a:endParaRPr lang="zh-CN" altLang="en-US"/>
           </a:p>
@@ -638,7 +638,7 @@
             <a:fld id="{530820CF-B880-4189-942D-D702A7CBA730}" type="datetimeFigureOut">
               <a:rPr lang="zh-CN" altLang="en-US" smtClean="0"/>
               <a:pPr/>
-              <a:t>2016/10/10</a:t>
+              <a:t>2016/10/14</a:t>
             </a:fld>
             <a:endParaRPr lang="zh-CN" altLang="en-US"/>
           </a:p>
@@ -805,7 +805,7 @@
             <a:fld id="{530820CF-B880-4189-942D-D702A7CBA730}" type="datetimeFigureOut">
               <a:rPr lang="zh-CN" altLang="en-US" smtClean="0"/>
               <a:pPr/>
-              <a:t>2016/10/10</a:t>
+              <a:t>2016/10/14</a:t>
             </a:fld>
             <a:endParaRPr lang="zh-CN" altLang="en-US"/>
           </a:p>
@@ -1048,7 +1048,7 @@
             <a:fld id="{530820CF-B880-4189-942D-D702A7CBA730}" type="datetimeFigureOut">
               <a:rPr lang="zh-CN" altLang="en-US" smtClean="0"/>
               <a:pPr/>
-              <a:t>2016/10/10</a:t>
+              <a:t>2016/10/14</a:t>
             </a:fld>
             <a:endParaRPr lang="zh-CN" altLang="en-US"/>
           </a:p>
@@ -1333,7 +1333,7 @@
             <a:fld id="{530820CF-B880-4189-942D-D702A7CBA730}" type="datetimeFigureOut">
               <a:rPr lang="zh-CN" altLang="en-US" smtClean="0"/>
               <a:pPr/>
-              <a:t>2016/10/10</a:t>
+              <a:t>2016/10/14</a:t>
             </a:fld>
             <a:endParaRPr lang="zh-CN" altLang="en-US"/>
           </a:p>
@@ -1752,7 +1752,7 @@
             <a:fld id="{530820CF-B880-4189-942D-D702A7CBA730}" type="datetimeFigureOut">
               <a:rPr lang="zh-CN" altLang="en-US" smtClean="0"/>
               <a:pPr/>
-              <a:t>2016/10/10</a:t>
+              <a:t>2016/10/14</a:t>
             </a:fld>
             <a:endParaRPr lang="zh-CN" altLang="en-US"/>
           </a:p>
@@ -1867,7 +1867,7 @@
             <a:fld id="{530820CF-B880-4189-942D-D702A7CBA730}" type="datetimeFigureOut">
               <a:rPr lang="zh-CN" altLang="en-US" smtClean="0"/>
               <a:pPr/>
-              <a:t>2016/10/10</a:t>
+              <a:t>2016/10/14</a:t>
             </a:fld>
             <a:endParaRPr lang="zh-CN" altLang="en-US"/>
           </a:p>
@@ -1959,7 +1959,7 @@
             <a:fld id="{530820CF-B880-4189-942D-D702A7CBA730}" type="datetimeFigureOut">
               <a:rPr lang="zh-CN" altLang="en-US" smtClean="0"/>
               <a:pPr/>
-              <a:t>2016/10/10</a:t>
+              <a:t>2016/10/14</a:t>
             </a:fld>
             <a:endParaRPr lang="zh-CN" altLang="en-US"/>
           </a:p>
@@ -2233,7 +2233,7 @@
             <a:fld id="{530820CF-B880-4189-942D-D702A7CBA730}" type="datetimeFigureOut">
               <a:rPr lang="zh-CN" altLang="en-US" smtClean="0"/>
               <a:pPr/>
-              <a:t>2016/10/10</a:t>
+              <a:t>2016/10/14</a:t>
             </a:fld>
             <a:endParaRPr lang="zh-CN" altLang="en-US"/>
           </a:p>
@@ -2483,7 +2483,7 @@
             <a:fld id="{530820CF-B880-4189-942D-D702A7CBA730}" type="datetimeFigureOut">
               <a:rPr lang="zh-CN" altLang="en-US" smtClean="0"/>
               <a:pPr/>
-              <a:t>2016/10/10</a:t>
+              <a:t>2016/10/14</a:t>
             </a:fld>
             <a:endParaRPr lang="zh-CN" altLang="en-US"/>
           </a:p>
@@ -2693,7 +2693,7 @@
             <a:fld id="{530820CF-B880-4189-942D-D702A7CBA730}" type="datetimeFigureOut">
               <a:rPr lang="zh-CN" altLang="en-US" smtClean="0"/>
               <a:pPr/>
-              <a:t>2016/10/10</a:t>
+              <a:t>2016/10/14</a:t>
             </a:fld>
             <a:endParaRPr lang="zh-CN" altLang="en-US"/>
           </a:p>
@@ -3175,7 +3175,25 @@
           <a:p>
             <a:r>
               <a:rPr lang="en-US" altLang="zh-CN" dirty="0" smtClean="0"/>
-              <a:t> CREATE TABLE </a:t>
+              <a:t>//</a:t>
+            </a:r>
+            <a:r>
+              <a:rPr lang="zh-CN" altLang="en-US" dirty="0" smtClean="0"/>
+              <a:t>数据库 主键</a:t>
+            </a:r>
+            <a:r>
+              <a:rPr lang="en-US" altLang="zh-CN" dirty="0" smtClean="0"/>
+              <a:t> </a:t>
+            </a:r>
+          </a:p>
+          <a:p>
+            <a:r>
+              <a:rPr lang="en-US" altLang="zh-CN" dirty="0" smtClean="0"/>
+              <a:t>CREATE </a:t>
+            </a:r>
+            <a:r>
+              <a:rPr lang="en-US" altLang="zh-CN" dirty="0" smtClean="0"/>
+              <a:t>TABLE </a:t>
             </a:r>
             <a:r>
               <a:rPr lang="en-US" altLang="zh-CN" dirty="0" err="1" smtClean="0"/>
@@ -3282,11 +3300,7 @@
           <a:p>
             <a:r>
               <a:rPr lang="en-US" altLang="zh-CN" dirty="0" smtClean="0"/>
-              <a:t>s</a:t>
-            </a:r>
-            <a:r>
-              <a:rPr lang="en-US" altLang="zh-CN" dirty="0" smtClean="0"/>
-              <a:t>elect * from </a:t>
+              <a:t>select * from </a:t>
             </a:r>
             <a:r>
               <a:rPr lang="en-US" altLang="zh-CN" dirty="0" err="1" smtClean="0"/>
@@ -3302,8 +3316,35 @@
             </a:r>
             <a:r>
               <a:rPr lang="zh-CN" altLang="en-US" dirty="0" smtClean="0"/>
-              <a:t>是表名</a:t>
-            </a:r>
+              <a:t>是表</a:t>
+            </a:r>
+            <a:r>
+              <a:rPr lang="zh-CN" altLang="en-US" dirty="0" smtClean="0"/>
+              <a:t>名</a:t>
+            </a:r>
+            <a:endParaRPr lang="en-US" altLang="zh-CN" dirty="0" smtClean="0"/>
+          </a:p>
+          <a:p>
+            <a:r>
+              <a:rPr lang="en-US" altLang="zh-CN" dirty="0" smtClean="0"/>
+              <a:t>Select name from </a:t>
+            </a:r>
+            <a:r>
+              <a:rPr lang="en-US" altLang="zh-CN" dirty="0" err="1" smtClean="0"/>
+              <a:t>chatRecord</a:t>
+            </a:r>
+            <a:r>
+              <a:rPr lang="en-US" altLang="zh-CN" dirty="0" smtClean="0"/>
+              <a:t> </a:t>
+            </a:r>
+          </a:p>
+          <a:p>
+            <a:r>
+              <a:rPr lang="en-US" altLang="zh-CN" dirty="0" smtClean="0"/>
+              <a:t>Where  id=1 or id=2;</a:t>
+            </a:r>
+          </a:p>
+          <a:p>
             <a:r>
               <a:rPr lang="en-US" altLang="zh-CN" dirty="0" smtClean="0"/>
               <a:t> </a:t>
@@ -3389,7 +3430,11 @@
             </a:r>
             <a:r>
               <a:rPr lang="en-US" altLang="zh-CN" dirty="0" smtClean="0"/>
-              <a:t> (</a:t>
+              <a:t> </a:t>
+            </a:r>
+            <a:r>
+              <a:rPr lang="en-US" altLang="zh-CN" dirty="0" smtClean="0"/>
+              <a:t>(</a:t>
             </a:r>
             <a:r>
               <a:rPr lang="en-US" altLang="zh-CN" dirty="0" err="1" smtClean="0"/>
@@ -3397,15 +3442,19 @@
             </a:r>
             <a:r>
               <a:rPr lang="en-US" altLang="zh-CN" dirty="0" smtClean="0"/>
-              <a:t>) values (1,'zs</a:t>
+              <a:t>) </a:t>
             </a:r>
             <a:r>
               <a:rPr lang="en-US" altLang="zh-CN" dirty="0" smtClean="0"/>
-              <a:t>',datetime(‘2016-10-10 11:20</a:t>
+              <a:t>values (1,'zs',</a:t>
             </a:r>
             <a:r>
               <a:rPr lang="en-US" altLang="zh-CN" dirty="0" smtClean="0"/>
-              <a:t>'),'hello');</a:t>
+              <a:t>datetime</a:t>
+            </a:r>
+            <a:r>
+              <a:rPr lang="en-US" altLang="zh-CN" dirty="0" smtClean="0"/>
+              <a:t>(‘2016-10-10 11:20'),'hello');</a:t>
             </a:r>
             <a:endParaRPr lang="zh-CN" altLang="en-US" dirty="0"/>
           </a:p>
@@ -3501,16 +3550,11 @@
               <a:rPr lang="en-US" altLang="zh-CN" dirty="0" smtClean="0"/>
               <a:t>“ , content=“fine thank you”</a:t>
             </a:r>
-            <a:endParaRPr lang="en-US" altLang="zh-CN" dirty="0" smtClean="0"/>
           </a:p>
           <a:p>
             <a:r>
               <a:rPr lang="en-US" altLang="zh-CN" dirty="0" smtClean="0"/>
-              <a:t> where id = </a:t>
-            </a:r>
-            <a:r>
-              <a:rPr lang="en-US" altLang="zh-CN" dirty="0" smtClean="0"/>
-              <a:t>2 and name = “</a:t>
+              <a:t> where id = 2 and name = “</a:t>
             </a:r>
             <a:r>
               <a:rPr lang="en-US" altLang="zh-CN" dirty="0" err="1" smtClean="0"/>
@@ -3598,11 +3642,7 @@
           <a:p>
             <a:r>
               <a:rPr lang="en-US" altLang="zh-CN" dirty="0" smtClean="0"/>
-              <a:t>delete </a:t>
-            </a:r>
-            <a:r>
-              <a:rPr lang="en-US" altLang="zh-CN" dirty="0" smtClean="0"/>
-              <a:t>   from    </a:t>
+              <a:t>delete    from    </a:t>
             </a:r>
             <a:r>
               <a:rPr lang="en-US" altLang="zh-CN" dirty="0" err="1" smtClean="0"/>
@@ -3613,19 +3653,7 @@
           <a:p>
             <a:r>
               <a:rPr lang="en-US" altLang="zh-CN" dirty="0" smtClean="0"/>
-              <a:t>where    </a:t>
-            </a:r>
-            <a:r>
-              <a:rPr lang="en-US" altLang="zh-CN" dirty="0" smtClean="0"/>
-              <a:t>id </a:t>
-            </a:r>
-            <a:r>
-              <a:rPr lang="en-US" altLang="zh-CN" dirty="0" smtClean="0"/>
-              <a:t> =   </a:t>
-            </a:r>
-            <a:r>
-              <a:rPr lang="en-US" altLang="zh-CN" dirty="0" smtClean="0"/>
-              <a:t>2;</a:t>
+              <a:t>where    id  =   2;</a:t>
             </a:r>
             <a:endParaRPr lang="zh-CN" altLang="en-US" dirty="0"/>
           </a:p>
